--- a/ppts/Week4a Regulaziation.pptx
+++ b/ppts/Week4a Regulaziation.pptx
@@ -226,7 +226,7 @@
             <a:fld id="{E9CA654E-EBD9-4CE9-AAD0-9BCA047E2E1D}" type="datetimeFigureOut">
               <a:rPr lang="ko-KR" altLang="en-US" smtClean="0"/>
               <a:pPr/>
-              <a:t>2016. 6. 21.</a:t>
+              <a:t>2016. 10. 29.</a:t>
             </a:fld>
             <a:endParaRPr lang="ko-KR" altLang="en-US"/>
           </a:p>
@@ -690,7 +690,7 @@
                 <a:ea typeface="Meiryo UI" pitchFamily="34" charset="-128"/>
               </a:rPr>
               <a:pPr/>
-              <a:t>Tuesday, June 21, 2016</a:t>
+              <a:t>Saturday, October 29, 2016</a:t>
             </a:fld>
             <a:endParaRPr lang="ko-KR" altLang="en-US" dirty="0"/>
           </a:p>
@@ -822,7 +822,7 @@
             <a:fld id="{33A0F7CB-10CC-4FA0-AAB7-60557755851D}" type="datetime1">
               <a:rPr lang="ko-KR" altLang="en-US" smtClean="0"/>
               <a:pPr/>
-              <a:t>2016. 6. 21.</a:t>
+              <a:t>2016. 10. 29.</a:t>
             </a:fld>
             <a:endParaRPr lang="ko-KR" altLang="en-US"/>
           </a:p>
@@ -999,7 +999,7 @@
             <a:fld id="{2072E3B2-398D-43A2-9FF0-A5DC47D85F0F}" type="datetime1">
               <a:rPr lang="ko-KR" altLang="en-US" smtClean="0"/>
               <a:pPr/>
-              <a:t>2016. 6. 21.</a:t>
+              <a:t>2016. 10. 29.</a:t>
             </a:fld>
             <a:endParaRPr lang="ko-KR" altLang="en-US"/>
           </a:p>
@@ -1513,7 +1513,7 @@
             <a:fld id="{DAC76C8D-0C64-468D-9E07-BA112BE10A5A}" type="datetime1">
               <a:rPr lang="ko-KR" altLang="en-US" smtClean="0"/>
               <a:pPr/>
-              <a:t>2016. 6. 21.</a:t>
+              <a:t>2016. 10. 29.</a:t>
             </a:fld>
             <a:endParaRPr lang="ko-KR" altLang="en-US"/>
           </a:p>
@@ -1803,7 +1803,7 @@
             <a:fld id="{ABCA1450-90AE-4591-9DA4-2F2C0E29B421}" type="datetime1">
               <a:rPr lang="ko-KR" altLang="en-US" smtClean="0"/>
               <a:pPr/>
-              <a:t>2016. 6. 21.</a:t>
+              <a:t>2016. 10. 29.</a:t>
             </a:fld>
             <a:endParaRPr lang="ko-KR" altLang="en-US"/>
           </a:p>
@@ -2229,7 +2229,7 @@
             <a:fld id="{3170F9C2-910D-48E9-A1D4-06EE9E8CCF11}" type="datetime1">
               <a:rPr lang="ko-KR" altLang="en-US" smtClean="0"/>
               <a:pPr/>
-              <a:t>2016. 6. 21.</a:t>
+              <a:t>2016. 10. 29.</a:t>
             </a:fld>
             <a:endParaRPr lang="ko-KR" altLang="en-US"/>
           </a:p>
@@ -2516,7 +2516,7 @@
             <a:fld id="{0A2BF0E3-3B49-48EE-8E65-6F6B7B05A3E6}" type="datetime1">
               <a:rPr lang="ko-KR" altLang="en-US" smtClean="0"/>
               <a:pPr/>
-              <a:t>2016. 6. 21.</a:t>
+              <a:t>2016. 10. 29.</a:t>
             </a:fld>
             <a:endParaRPr lang="ko-KR" altLang="en-US"/>
           </a:p>
@@ -2790,7 +2790,7 @@
             <a:fld id="{D56EDD30-A8D5-4E8F-A388-D7F8914E7797}" type="datetime1">
               <a:rPr lang="ko-KR" altLang="en-US" smtClean="0"/>
               <a:pPr/>
-              <a:t>2016. 6. 21.</a:t>
+              <a:t>2016. 10. 29.</a:t>
             </a:fld>
             <a:endParaRPr lang="ko-KR" altLang="en-US"/>
           </a:p>
@@ -3040,7 +3040,7 @@
             <a:fld id="{BA001FBA-5EDF-4611-9FD5-552C72983771}" type="datetime1">
               <a:rPr lang="ko-KR" altLang="en-US" smtClean="0"/>
               <a:pPr/>
-              <a:t>2016. 6. 21.</a:t>
+              <a:t>2016. 10. 29.</a:t>
             </a:fld>
             <a:endParaRPr lang="ko-KR" altLang="en-US"/>
           </a:p>
@@ -3250,7 +3250,7 @@
             <a:fld id="{1E3DD4C6-1DC2-4462-9A2C-36CF4FD257E7}" type="datetime1">
               <a:rPr lang="ko-KR" altLang="en-US" smtClean="0"/>
               <a:pPr/>
-              <a:t>2016. 6. 21.</a:t>
+              <a:t>2016. 10. 29.</a:t>
             </a:fld>
             <a:endParaRPr lang="ko-KR" altLang="en-US"/>
           </a:p>
@@ -4811,13 +4811,7 @@
               <a:rPr lang="en-US" altLang="ko-KR" sz="2400" dirty="0" smtClean="0">
                 <a:latin typeface="+mn-ea"/>
               </a:rPr>
-              <a:t>many different models </a:t>
-            </a:r>
-            <a:r>
-              <a:rPr lang="en-US" altLang="ko-KR" sz="2400" dirty="0" smtClean="0">
-                <a:latin typeface="+mn-ea"/>
-              </a:rPr>
-              <a:t>(Ensemble)</a:t>
+              <a:t>many different models (Ensemble)</a:t>
             </a:r>
             <a:endParaRPr lang="ko-KR" altLang="en-US" sz="2400" dirty="0" smtClean="0">
               <a:latin typeface="+mn-ea"/>
@@ -4964,13 +4958,7 @@
               <a:rPr lang="en-US" altLang="ko-KR" sz="2400" dirty="0" smtClean="0">
                 <a:latin typeface="+mn-ea"/>
               </a:rPr>
-              <a:t>: Use </a:t>
-            </a:r>
-            <a:r>
-              <a:rPr lang="en-US" altLang="ko-KR" sz="2400" dirty="0" smtClean="0">
-                <a:latin typeface="+mn-ea"/>
-              </a:rPr>
-              <a:t>DropOut, DropConnect, or </a:t>
+              <a:t>: Use DropOut, DropConnect, or </a:t>
             </a:r>
             <a:r>
               <a:rPr lang="en-US" altLang="ko-KR" sz="2400" dirty="0" err="1" smtClean="0">
@@ -9001,8 +8989,12 @@
           <a:lstStyle/>
           <a:p>
             <a:r>
-              <a:rPr lang="en-US" altLang="ko-KR" dirty="0"/>
+              <a:rPr lang="en-US" altLang="ko-KR" dirty="0" err="1" smtClean="0"/>
               <a:t>OverFitting</a:t>
+            </a:r>
+            <a:r>
+              <a:rPr lang="en-US" altLang="ko-KR" dirty="0" smtClean="0"/>
+              <a:t>?</a:t>
             </a:r>
             <a:endParaRPr lang="ko-KR" altLang="en-US" dirty="0"/>
           </a:p>
@@ -9591,19 +9583,7 @@
               <a:rPr lang="en-US" altLang="ko-KR" sz="2400" b="1" dirty="0" smtClean="0">
                 <a:latin typeface="+mn-ea"/>
               </a:rPr>
-              <a:t>Fitting the data more </a:t>
-            </a:r>
-            <a:r>
-              <a:rPr lang="en-US" altLang="ko-KR" sz="2400" b="1" dirty="0" smtClean="0">
-                <a:latin typeface="+mn-ea"/>
-              </a:rPr>
-              <a:t>than </a:t>
-            </a:r>
-            <a:r>
-              <a:rPr lang="en-US" altLang="ko-KR" sz="2400" b="1" dirty="0" smtClean="0">
-                <a:latin typeface="+mn-ea"/>
-              </a:rPr>
-              <a:t>is warranted</a:t>
+              <a:t>Fitting the data more than is warranted</a:t>
             </a:r>
             <a:endParaRPr lang="ko-KR" altLang="en-US" sz="2400" b="1" dirty="0" smtClean="0">
               <a:latin typeface="+mn-ea"/>
